--- a/2 курс/4 семестр/Языки программирования для статистической обработки данных R/Курсовая работа_КимКС.pptx
+++ b/2 курс/4 семестр/Языки программирования для статистической обработки данных R/Курсовая работа_КимКС.pptx
@@ -6919,7 +6919,7 @@
           <p:nvPr>
             <p:extLst>
               <p:ext uri="{D42A27DB-BD31-4B8C-83A1-F6EECF244321}">
-                <p14:modId xmlns:p14="http://schemas.microsoft.com/office/powerpoint/2010/main" val="931196365"/>
+                <p14:modId xmlns:p14="http://schemas.microsoft.com/office/powerpoint/2010/main" val="1768238968"/>
               </p:ext>
             </p:extLst>
           </p:nvPr>
@@ -7068,14 +7068,14 @@
                         </a:tabLst>
                       </a:pPr>
                       <a:r>
-                        <a:rPr lang="en-US" sz="1600" kern="0">
+                        <a:rPr lang="en-US" sz="1600" kern="0" dirty="0">
                           <a:effectLst/>
                           <a:latin typeface="Times New Roman" panose="02020603050405020304" pitchFamily="18" charset="0"/>
                           <a:cs typeface="Times New Roman" panose="02020603050405020304" pitchFamily="18" charset="0"/>
                         </a:rPr>
                         <a:t>ME</a:t>
                       </a:r>
-                      <a:endParaRPr lang="ru-RU" sz="1800" kern="100">
+                      <a:endParaRPr lang="ru-RU" sz="1800" kern="100" dirty="0">
                         <a:effectLst/>
                         <a:latin typeface="Times New Roman" panose="02020603050405020304" pitchFamily="18" charset="0"/>
                         <a:ea typeface="Calibri" panose="020F0502020204030204" pitchFamily="34" charset="0"/>

--- a/2 курс/4 семестр/Языки программирования для статистической обработки данных R/Курсовая работа_КимКС.pptx
+++ b/2 курс/4 семестр/Языки программирования для статистической обработки данных R/Курсовая работа_КимКС.pptx
@@ -212,7 +212,7 @@
           <a:p>
             <a:fld id="{FB97C44A-79AC-43C6-9113-870F357F22CB}" type="datetimeFigureOut">
               <a:rPr lang="ru-RU" smtClean="0"/>
-              <a:t>01.06.2024</a:t>
+              <a:t>06.06.2024</a:t>
             </a:fld>
             <a:endParaRPr lang="ru-RU"/>
           </a:p>
@@ -1383,7 +1383,7 @@
           <a:p>
             <a:fld id="{B83D059B-F413-45B0-B867-077D5B3EAC8C}" type="datetimeFigureOut">
               <a:rPr lang="ru-RU" smtClean="0"/>
-              <a:t>01.06.2024</a:t>
+              <a:t>06.06.2024</a:t>
             </a:fld>
             <a:endParaRPr lang="ru-RU"/>
           </a:p>
@@ -1581,7 +1581,7 @@
           <a:p>
             <a:fld id="{B83D059B-F413-45B0-B867-077D5B3EAC8C}" type="datetimeFigureOut">
               <a:rPr lang="ru-RU" smtClean="0"/>
-              <a:t>01.06.2024</a:t>
+              <a:t>06.06.2024</a:t>
             </a:fld>
             <a:endParaRPr lang="ru-RU"/>
           </a:p>
@@ -1789,7 +1789,7 @@
           <a:p>
             <a:fld id="{B83D059B-F413-45B0-B867-077D5B3EAC8C}" type="datetimeFigureOut">
               <a:rPr lang="ru-RU" smtClean="0"/>
-              <a:t>01.06.2024</a:t>
+              <a:t>06.06.2024</a:t>
             </a:fld>
             <a:endParaRPr lang="ru-RU"/>
           </a:p>
@@ -1987,7 +1987,7 @@
           <a:p>
             <a:fld id="{B83D059B-F413-45B0-B867-077D5B3EAC8C}" type="datetimeFigureOut">
               <a:rPr lang="ru-RU" smtClean="0"/>
-              <a:t>01.06.2024</a:t>
+              <a:t>06.06.2024</a:t>
             </a:fld>
             <a:endParaRPr lang="ru-RU"/>
           </a:p>
@@ -2262,7 +2262,7 @@
           <a:p>
             <a:fld id="{B83D059B-F413-45B0-B867-077D5B3EAC8C}" type="datetimeFigureOut">
               <a:rPr lang="ru-RU" smtClean="0"/>
-              <a:t>01.06.2024</a:t>
+              <a:t>06.06.2024</a:t>
             </a:fld>
             <a:endParaRPr lang="ru-RU"/>
           </a:p>
@@ -2527,7 +2527,7 @@
           <a:p>
             <a:fld id="{B83D059B-F413-45B0-B867-077D5B3EAC8C}" type="datetimeFigureOut">
               <a:rPr lang="ru-RU" smtClean="0"/>
-              <a:t>01.06.2024</a:t>
+              <a:t>06.06.2024</a:t>
             </a:fld>
             <a:endParaRPr lang="ru-RU"/>
           </a:p>
@@ -2939,7 +2939,7 @@
           <a:p>
             <a:fld id="{B83D059B-F413-45B0-B867-077D5B3EAC8C}" type="datetimeFigureOut">
               <a:rPr lang="ru-RU" smtClean="0"/>
-              <a:t>01.06.2024</a:t>
+              <a:t>06.06.2024</a:t>
             </a:fld>
             <a:endParaRPr lang="ru-RU"/>
           </a:p>
@@ -3080,7 +3080,7 @@
           <a:p>
             <a:fld id="{B83D059B-F413-45B0-B867-077D5B3EAC8C}" type="datetimeFigureOut">
               <a:rPr lang="ru-RU" smtClean="0"/>
-              <a:t>01.06.2024</a:t>
+              <a:t>06.06.2024</a:t>
             </a:fld>
             <a:endParaRPr lang="ru-RU"/>
           </a:p>
@@ -3193,7 +3193,7 @@
           <a:p>
             <a:fld id="{B83D059B-F413-45B0-B867-077D5B3EAC8C}" type="datetimeFigureOut">
               <a:rPr lang="ru-RU" smtClean="0"/>
-              <a:t>01.06.2024</a:t>
+              <a:t>06.06.2024</a:t>
             </a:fld>
             <a:endParaRPr lang="ru-RU"/>
           </a:p>
@@ -3504,7 +3504,7 @@
           <a:p>
             <a:fld id="{B83D059B-F413-45B0-B867-077D5B3EAC8C}" type="datetimeFigureOut">
               <a:rPr lang="ru-RU" smtClean="0"/>
-              <a:t>01.06.2024</a:t>
+              <a:t>06.06.2024</a:t>
             </a:fld>
             <a:endParaRPr lang="ru-RU"/>
           </a:p>
@@ -3792,7 +3792,7 @@
           <a:p>
             <a:fld id="{B83D059B-F413-45B0-B867-077D5B3EAC8C}" type="datetimeFigureOut">
               <a:rPr lang="ru-RU" smtClean="0"/>
-              <a:t>01.06.2024</a:t>
+              <a:t>06.06.2024</a:t>
             </a:fld>
             <a:endParaRPr lang="ru-RU"/>
           </a:p>
@@ -4033,7 +4033,7 @@
           <a:p>
             <a:fld id="{B83D059B-F413-45B0-B867-077D5B3EAC8C}" type="datetimeFigureOut">
               <a:rPr lang="ru-RU" smtClean="0"/>
-              <a:t>01.06.2024</a:t>
+              <a:t>06.06.2024</a:t>
             </a:fld>
             <a:endParaRPr lang="ru-RU"/>
           </a:p>
@@ -4909,7 +4909,7 @@
           <p:nvPr>
             <p:extLst>
               <p:ext uri="{D42A27DB-BD31-4B8C-83A1-F6EECF244321}">
-                <p14:modId xmlns:p14="http://schemas.microsoft.com/office/powerpoint/2010/main" val="1734481502"/>
+                <p14:modId xmlns:p14="http://schemas.microsoft.com/office/powerpoint/2010/main" val="2727592489"/>
               </p:ext>
             </p:extLst>
           </p:nvPr>
@@ -6053,6 +6053,44 @@
               </a:rPr>
               <a:t> такие коэффициенты:</a:t>
             </a:r>
+            <a:endParaRPr lang="en-US" sz="1800" kern="100" dirty="0">
+              <a:effectLst/>
+              <a:latin typeface="Times New Roman" panose="02020603050405020304" pitchFamily="18" charset="0"/>
+              <a:ea typeface="Calibri" panose="020F0502020204030204" pitchFamily="34" charset="0"/>
+              <a:cs typeface="Mangal" panose="02040503050203030202" pitchFamily="18" charset="0"/>
+            </a:endParaRPr>
+          </a:p>
+          <a:p>
+            <a:pPr marL="0" indent="0" latinLnBrk="1">
+              <a:lnSpc>
+                <a:spcPct val="150000"/>
+              </a:lnSpc>
+              <a:buNone/>
+              <a:tabLst>
+                <a:tab pos="581660" algn="l"/>
+                <a:tab pos="1163320" algn="l"/>
+                <a:tab pos="1744980" algn="l"/>
+                <a:tab pos="2326640" algn="l"/>
+                <a:tab pos="2908300" algn="l"/>
+                <a:tab pos="3489960" algn="l"/>
+                <a:tab pos="4071620" algn="l"/>
+                <a:tab pos="4653280" algn="l"/>
+                <a:tab pos="5234940" algn="l"/>
+                <a:tab pos="5816600" algn="l"/>
+                <a:tab pos="6398260" algn="l"/>
+                <a:tab pos="6979920" algn="l"/>
+                <a:tab pos="7561580" algn="l"/>
+                <a:tab pos="8143240" algn="l"/>
+                <a:tab pos="8724900" algn="l"/>
+                <a:tab pos="9306560" algn="l"/>
+              </a:tabLst>
+            </a:pPr>
+            <a:endParaRPr lang="ru-RU" sz="1800" kern="100" dirty="0">
+              <a:effectLst/>
+              <a:latin typeface="Times New Roman" panose="02020603050405020304" pitchFamily="18" charset="0"/>
+              <a:ea typeface="Calibri" panose="020F0502020204030204" pitchFamily="34" charset="0"/>
+              <a:cs typeface="Mangal" panose="02040503050203030202" pitchFamily="18" charset="0"/>
+            </a:endParaRPr>
           </a:p>
           <a:p>
             <a:pPr marL="0" indent="0" algn="l" latinLnBrk="1">
@@ -6439,6 +6477,17 @@
               </a:tabLst>
             </a:pPr>
             <a:r>
+              <a:rPr lang="ru-RU" sz="1800" dirty="0">
+                <a:solidFill>
+                  <a:srgbClr val="000000"/>
+                </a:solidFill>
+                <a:effectLst/>
+                <a:latin typeface="Times New Roman" panose="02020603050405020304" pitchFamily="18" charset="0"/>
+                <a:ea typeface="Times New Roman" panose="02020603050405020304" pitchFamily="18" charset="0"/>
+              </a:rPr>
+              <a:t>Модель достаточна плохая и получила такие меры по устранению ошибок в обучающем наборе</a:t>
+            </a:r>
+            <a:r>
               <a:rPr lang="ru-RU" sz="1800" kern="100" dirty="0">
                 <a:effectLst/>
                 <a:highlight>
@@ -6448,7 +6497,7 @@
                 <a:ea typeface="Calibri" panose="020F0502020204030204" pitchFamily="34" charset="0"/>
                 <a:cs typeface="Mangal" panose="02040503050203030202" pitchFamily="18" charset="0"/>
               </a:rPr>
-              <a:t>Меры по устранению ошибок в обучающем наборе:</a:t>
+              <a:t>:</a:t>
             </a:r>
           </a:p>
           <a:p>
@@ -6542,13 +6591,13 @@
           <p:nvPr>
             <p:extLst>
               <p:ext uri="{D42A27DB-BD31-4B8C-83A1-F6EECF244321}">
-                <p14:modId xmlns:p14="http://schemas.microsoft.com/office/powerpoint/2010/main" val="147577303"/>
+                <p14:modId xmlns:p14="http://schemas.microsoft.com/office/powerpoint/2010/main" val="1427059500"/>
               </p:ext>
             </p:extLst>
           </p:nvPr>
         </p:nvGraphicFramePr>
         <p:xfrm>
-          <a:off x="2970667" y="2298066"/>
+          <a:off x="2864649" y="2506695"/>
           <a:ext cx="6250666" cy="1130934"/>
         </p:xfrm>
         <a:graphic>
@@ -6739,14 +6788,14 @@
                         </a:lnSpc>
                       </a:pPr>
                       <a:r>
-                        <a:rPr lang="en-US" sz="1600" kern="0">
+                        <a:rPr lang="en-US" sz="1600" kern="0" dirty="0">
                           <a:effectLst/>
                           <a:latin typeface="Times New Roman" panose="02020603050405020304" pitchFamily="18" charset="0"/>
                           <a:cs typeface="Times New Roman" panose="02020603050405020304" pitchFamily="18" charset="0"/>
                         </a:rPr>
                         <a:t>-1.0000</a:t>
                       </a:r>
-                      <a:endParaRPr lang="ru-RU" sz="1600" kern="100">
+                      <a:endParaRPr lang="ru-RU" sz="1600" kern="100" dirty="0">
                         <a:effectLst/>
                         <a:latin typeface="Times New Roman" panose="02020603050405020304" pitchFamily="18" charset="0"/>
                         <a:ea typeface="Calibri" panose="020F0502020204030204" pitchFamily="34" charset="0"/>
@@ -6802,14 +6851,14 @@
                         </a:lnSpc>
                       </a:pPr>
                       <a:r>
-                        <a:rPr lang="en-US" sz="1600" kern="0">
+                        <a:rPr lang="en-US" sz="1600" kern="0" dirty="0">
                           <a:effectLst/>
                           <a:latin typeface="Times New Roman" panose="02020603050405020304" pitchFamily="18" charset="0"/>
                           <a:cs typeface="Times New Roman" panose="02020603050405020304" pitchFamily="18" charset="0"/>
                         </a:rPr>
                         <a:t>0.1648</a:t>
                       </a:r>
-                      <a:endParaRPr lang="ru-RU" sz="1600" kern="100">
+                      <a:endParaRPr lang="ru-RU" sz="1600" kern="100" dirty="0">
                         <a:effectLst/>
                         <a:latin typeface="Times New Roman" panose="02020603050405020304" pitchFamily="18" charset="0"/>
                         <a:ea typeface="Calibri" panose="020F0502020204030204" pitchFamily="34" charset="0"/>
@@ -6919,13 +6968,13 @@
           <p:nvPr>
             <p:extLst>
               <p:ext uri="{D42A27DB-BD31-4B8C-83A1-F6EECF244321}">
-                <p14:modId xmlns:p14="http://schemas.microsoft.com/office/powerpoint/2010/main" val="1768238968"/>
+                <p14:modId xmlns:p14="http://schemas.microsoft.com/office/powerpoint/2010/main" val="4086474600"/>
               </p:ext>
             </p:extLst>
           </p:nvPr>
         </p:nvGraphicFramePr>
         <p:xfrm>
-          <a:off x="1305246" y="5668010"/>
+          <a:off x="2610494" y="6214110"/>
           <a:ext cx="9581506" cy="643890"/>
         </p:xfrm>
         <a:graphic>
@@ -7746,6 +7795,172 @@
           </a:graphicData>
         </a:graphic>
       </p:graphicFrame>
+      <p:sp>
+        <p:nvSpPr>
+          <p:cNvPr id="7" name="TextBox 6">
+            <a:extLst>
+              <a:ext uri="{FF2B5EF4-FFF2-40B4-BE49-F238E27FC236}">
+                <a16:creationId xmlns:a16="http://schemas.microsoft.com/office/drawing/2014/main" id="{63CD096C-7162-E74A-2AA2-6DD22D43490C}"/>
+              </a:ext>
+            </a:extLst>
+          </p:cNvPr>
+          <p:cNvSpPr txBox="1"/>
+          <p:nvPr/>
+        </p:nvSpPr>
+        <p:spPr>
+          <a:xfrm>
+            <a:off x="2864649" y="2126248"/>
+            <a:ext cx="3394134" cy="422167"/>
+          </a:xfrm>
+          <a:prstGeom prst="rect">
+            <a:avLst/>
+          </a:prstGeom>
+          <a:noFill/>
+        </p:spPr>
+        <p:txBody>
+          <a:bodyPr wrap="none" rtlCol="0">
+            <a:spAutoFit/>
+          </a:bodyPr>
+          <a:lstStyle/>
+          <a:p>
+            <a:pPr algn="ctr">
+              <a:lnSpc>
+                <a:spcPct val="150000"/>
+              </a:lnSpc>
+              <a:spcAft>
+                <a:spcPts val="1700"/>
+              </a:spcAft>
+            </a:pPr>
+            <a:r>
+              <a:rPr lang="ru-RU" sz="1600" i="1" dirty="0">
+                <a:solidFill>
+                  <a:srgbClr val="000000"/>
+                </a:solidFill>
+                <a:latin typeface="Times New Roman" panose="02020603050405020304" pitchFamily="18" charset="0"/>
+                <a:ea typeface="Calibri" panose="020F0502020204030204" pitchFamily="34" charset="0"/>
+              </a:rPr>
+              <a:t>Таблица 1 </a:t>
+            </a:r>
+            <a:r>
+              <a:rPr lang="ru-RU" sz="1600" i="1" dirty="0">
+                <a:effectLst/>
+                <a:latin typeface="Times New Roman" panose="02020603050405020304" pitchFamily="18" charset="0"/>
+                <a:ea typeface="Calibri" panose="020F0502020204030204" pitchFamily="34" charset="0"/>
+                <a:cs typeface="Arial" panose="020B0604020202020204" pitchFamily="34" charset="0"/>
+              </a:rPr>
+              <a:t>—</a:t>
+            </a:r>
+            <a:r>
+              <a:rPr lang="ru-RU" sz="1600" i="1" dirty="0">
+                <a:solidFill>
+                  <a:srgbClr val="000000"/>
+                </a:solidFill>
+                <a:latin typeface="Times New Roman" panose="02020603050405020304" pitchFamily="18" charset="0"/>
+                <a:ea typeface="Calibri" panose="020F0502020204030204" pitchFamily="34" charset="0"/>
+              </a:rPr>
+              <a:t> </a:t>
+            </a:r>
+            <a:r>
+              <a:rPr lang="ru-RU" sz="1600" i="1" dirty="0">
+                <a:effectLst/>
+                <a:latin typeface="Times New Roman" panose="02020603050405020304" pitchFamily="18" charset="0"/>
+                <a:ea typeface="Calibri" panose="020F0502020204030204" pitchFamily="34" charset="0"/>
+                <a:cs typeface="Arial" panose="020B0604020202020204" pitchFamily="34" charset="0"/>
+              </a:rPr>
+              <a:t>Коэффициенты модели</a:t>
+            </a:r>
+            <a:endParaRPr lang="ru-RU" sz="1800" i="1" dirty="0">
+              <a:effectLst/>
+              <a:latin typeface="Calibri" panose="020F0502020204030204" pitchFamily="34" charset="0"/>
+              <a:ea typeface="Calibri" panose="020F0502020204030204" pitchFamily="34" charset="0"/>
+              <a:cs typeface="Mangal" panose="02040503050203030202" pitchFamily="18" charset="0"/>
+            </a:endParaRPr>
+          </a:p>
+        </p:txBody>
+      </p:sp>
+      <p:sp>
+        <p:nvSpPr>
+          <p:cNvPr id="8" name="TextBox 7">
+            <a:extLst>
+              <a:ext uri="{FF2B5EF4-FFF2-40B4-BE49-F238E27FC236}">
+                <a16:creationId xmlns:a16="http://schemas.microsoft.com/office/drawing/2014/main" id="{9F4FB8F7-EB34-0AC5-8BF1-88F25BF880C6}"/>
+              </a:ext>
+            </a:extLst>
+          </p:cNvPr>
+          <p:cNvSpPr txBox="1"/>
+          <p:nvPr/>
+        </p:nvSpPr>
+        <p:spPr>
+          <a:xfrm>
+            <a:off x="2484960" y="5791943"/>
+            <a:ext cx="3929666" cy="422167"/>
+          </a:xfrm>
+          <a:prstGeom prst="rect">
+            <a:avLst/>
+          </a:prstGeom>
+          <a:noFill/>
+        </p:spPr>
+        <p:txBody>
+          <a:bodyPr wrap="none" rtlCol="0">
+            <a:spAutoFit/>
+          </a:bodyPr>
+          <a:lstStyle/>
+          <a:p>
+            <a:pPr algn="ctr">
+              <a:lnSpc>
+                <a:spcPct val="150000"/>
+              </a:lnSpc>
+              <a:spcAft>
+                <a:spcPts val="1700"/>
+              </a:spcAft>
+            </a:pPr>
+            <a:r>
+              <a:rPr lang="ru-RU" sz="1600" i="1" dirty="0">
+                <a:solidFill>
+                  <a:srgbClr val="000000"/>
+                </a:solidFill>
+                <a:latin typeface="Times New Roman" panose="02020603050405020304" pitchFamily="18" charset="0"/>
+                <a:ea typeface="Calibri" panose="020F0502020204030204" pitchFamily="34" charset="0"/>
+              </a:rPr>
+              <a:t>Таблица 2 </a:t>
+            </a:r>
+            <a:r>
+              <a:rPr lang="ru-RU" sz="1600" i="1" dirty="0">
+                <a:effectLst/>
+                <a:latin typeface="Times New Roman" panose="02020603050405020304" pitchFamily="18" charset="0"/>
+                <a:ea typeface="Calibri" panose="020F0502020204030204" pitchFamily="34" charset="0"/>
+                <a:cs typeface="Arial" panose="020B0604020202020204" pitchFamily="34" charset="0"/>
+              </a:rPr>
+              <a:t>—</a:t>
+            </a:r>
+            <a:r>
+              <a:rPr lang="ru-RU" sz="1600" i="1" dirty="0">
+                <a:solidFill>
+                  <a:srgbClr val="000000"/>
+                </a:solidFill>
+                <a:latin typeface="Times New Roman" panose="02020603050405020304" pitchFamily="18" charset="0"/>
+                <a:ea typeface="Calibri" panose="020F0502020204030204" pitchFamily="34" charset="0"/>
+              </a:rPr>
+              <a:t> </a:t>
+            </a:r>
+            <a:r>
+              <a:rPr lang="ru-RU" sz="1600" i="1" dirty="0">
+                <a:effectLst/>
+                <a:latin typeface="Times New Roman" panose="02020603050405020304" pitchFamily="18" charset="0"/>
+                <a:ea typeface="Calibri" panose="020F0502020204030204" pitchFamily="34" charset="0"/>
+                <a:cs typeface="Arial" panose="020B0604020202020204" pitchFamily="34" charset="0"/>
+              </a:rPr>
+              <a:t>Меры по устранению ошибок</a:t>
+            </a:r>
+            <a:endParaRPr lang="ru-RU" sz="1800" i="1" dirty="0">
+              <a:effectLst/>
+              <a:latin typeface="Calibri" panose="020F0502020204030204" pitchFamily="34" charset="0"/>
+              <a:ea typeface="Calibri" panose="020F0502020204030204" pitchFamily="34" charset="0"/>
+              <a:cs typeface="Mangal" panose="02040503050203030202" pitchFamily="18" charset="0"/>
+            </a:endParaRPr>
+          </a:p>
+        </p:txBody>
+      </p:sp>
     </p:spTree>
     <p:extLst>
       <p:ext uri="{BB962C8B-B14F-4D97-AF65-F5344CB8AC3E}">
@@ -8797,7 +9012,7 @@
                 <a:latin typeface="Times New Roman" panose="02020603050405020304" pitchFamily="18" charset="0"/>
                 <a:cs typeface="Times New Roman" panose="02020603050405020304" pitchFamily="18" charset="0"/>
               </a:rPr>
-              <a:t> моделей;</a:t>
+              <a:t> моделей для прогнозирования временного ряда;</a:t>
             </a:r>
           </a:p>
           <a:p>
@@ -9782,8 +9997,8 @@
           </a:p>
         </p:txBody>
       </p:sp>
-      <mc:AlternateContent xmlns:mc="http://schemas.openxmlformats.org/markup-compatibility/2006" xmlns:a14="http://schemas.microsoft.com/office/drawing/2010/main">
-        <mc:Choice Requires="a14">
+      <mc:AlternateContent xmlns:mc="http://schemas.openxmlformats.org/markup-compatibility/2006">
+        <mc:Choice xmlns:a14="http://schemas.microsoft.com/office/drawing/2010/main" Requires="a14">
           <p:sp>
             <p:nvSpPr>
               <p:cNvPr id="3" name="Объект 2">
@@ -9803,7 +10018,7 @@
             <p:spPr/>
             <p:txBody>
               <a:bodyPr>
-                <a:normAutofit fontScale="92500" lnSpcReduction="10000"/>
+                <a:normAutofit fontScale="85000" lnSpcReduction="10000"/>
               </a:bodyPr>
               <a:lstStyle/>
               <a:p>
@@ -10082,6 +10297,189 @@
                   </a:lnSpc>
                   <a:buNone/>
                 </a:pPr>
+                <a:r>
+                  <a:rPr lang="ru-RU" sz="1800" kern="100" dirty="0">
+                    <a:effectLst/>
+                    <a:latin typeface="Times New Roman" panose="02020603050405020304" pitchFamily="18" charset="0"/>
+                    <a:ea typeface="Calibri" panose="020F0502020204030204" pitchFamily="34" charset="0"/>
+                    <a:cs typeface="Mangal" panose="02040503050203030202" pitchFamily="18" charset="0"/>
+                  </a:rPr>
+                  <a:t>Функция </a:t>
+                </a:r>
+                <a14:m>
+                  <m:oMath xmlns:m="http://schemas.openxmlformats.org/officeDocument/2006/math">
+                    <m:r>
+                      <a:rPr lang="en-US" sz="1800" i="1" kern="100">
+                        <a:effectLst/>
+                        <a:latin typeface="Cambria Math" panose="02040503050406030204" pitchFamily="18" charset="0"/>
+                        <a:ea typeface="Calibri" panose="020F0502020204030204" pitchFamily="34" charset="0"/>
+                        <a:cs typeface="Mangal" panose="02040503050203030202" pitchFamily="18" charset="0"/>
+                      </a:rPr>
+                      <m:t>𝐹</m:t>
+                    </m:r>
+                    <m:r>
+                      <a:rPr lang="ru-RU" sz="1800" i="1" kern="100">
+                        <a:effectLst/>
+                        <a:latin typeface="Cambria Math" panose="02040503050406030204" pitchFamily="18" charset="0"/>
+                        <a:ea typeface="Calibri" panose="020F0502020204030204" pitchFamily="34" charset="0"/>
+                        <a:cs typeface="Mangal" panose="02040503050203030202" pitchFamily="18" charset="0"/>
+                      </a:rPr>
+                      <m:t>(</m:t>
+                    </m:r>
+                    <m:r>
+                      <a:rPr lang="en-US" sz="1800" i="1" kern="100">
+                        <a:effectLst/>
+                        <a:latin typeface="Cambria Math" panose="02040503050406030204" pitchFamily="18" charset="0"/>
+                        <a:ea typeface="DengXian" panose="02010600030101010101" pitchFamily="2" charset="-122"/>
+                        <a:cs typeface="Mangal" panose="02040503050203030202" pitchFamily="18" charset="0"/>
+                      </a:rPr>
+                      <m:t>𝑇</m:t>
+                    </m:r>
+                    <m:r>
+                      <a:rPr lang="ru-RU" sz="1800" i="1" kern="100">
+                        <a:effectLst/>
+                        <a:latin typeface="Cambria Math" panose="02040503050406030204" pitchFamily="18" charset="0"/>
+                        <a:ea typeface="DengXian" panose="02010600030101010101" pitchFamily="2" charset="-122"/>
+                        <a:cs typeface="Mangal" panose="02040503050203030202" pitchFamily="18" charset="0"/>
+                      </a:rPr>
+                      <m:t>,</m:t>
+                    </m:r>
+                    <m:r>
+                      <a:rPr lang="en-US" sz="1800" i="1" kern="100">
+                        <a:effectLst/>
+                        <a:latin typeface="Cambria Math" panose="02040503050406030204" pitchFamily="18" charset="0"/>
+                        <a:ea typeface="DengXian" panose="02010600030101010101" pitchFamily="2" charset="-122"/>
+                        <a:cs typeface="Mangal" panose="02040503050203030202" pitchFamily="18" charset="0"/>
+                      </a:rPr>
+                      <m:t>𝑆</m:t>
+                    </m:r>
+                    <m:r>
+                      <a:rPr lang="ru-RU" sz="1800" i="1" kern="100">
+                        <a:effectLst/>
+                        <a:latin typeface="Cambria Math" panose="02040503050406030204" pitchFamily="18" charset="0"/>
+                        <a:ea typeface="DengXian" panose="02010600030101010101" pitchFamily="2" charset="-122"/>
+                        <a:cs typeface="Mangal" panose="02040503050203030202" pitchFamily="18" charset="0"/>
+                      </a:rPr>
+                      <m:t>,</m:t>
+                    </m:r>
+                    <m:r>
+                      <a:rPr lang="en-US" sz="1800" i="1" kern="100">
+                        <a:effectLst/>
+                        <a:latin typeface="Cambria Math" panose="02040503050406030204" pitchFamily="18" charset="0"/>
+                        <a:ea typeface="DengXian" panose="02010600030101010101" pitchFamily="2" charset="-122"/>
+                        <a:cs typeface="Mangal" panose="02040503050203030202" pitchFamily="18" charset="0"/>
+                      </a:rPr>
+                      <m:t>𝐶</m:t>
+                    </m:r>
+                    <m:r>
+                      <a:rPr lang="ru-RU" sz="1800" i="1" kern="100">
+                        <a:effectLst/>
+                        <a:latin typeface="Cambria Math" panose="02040503050406030204" pitchFamily="18" charset="0"/>
+                        <a:ea typeface="DengXian" panose="02010600030101010101" pitchFamily="2" charset="-122"/>
+                        <a:cs typeface="Mangal" panose="02040503050203030202" pitchFamily="18" charset="0"/>
+                      </a:rPr>
+                      <m:t>,</m:t>
+                    </m:r>
+                    <m:r>
+                      <a:rPr lang="en-US" sz="1800" i="1" kern="100">
+                        <a:effectLst/>
+                        <a:latin typeface="Cambria Math" panose="02040503050406030204" pitchFamily="18" charset="0"/>
+                        <a:ea typeface="DengXian" panose="02010600030101010101" pitchFamily="2" charset="-122"/>
+                        <a:cs typeface="Mangal" panose="02040503050203030202" pitchFamily="18" charset="0"/>
+                      </a:rPr>
+                      <m:t>𝐸</m:t>
+                    </m:r>
+                    <m:r>
+                      <a:rPr lang="ru-RU" sz="1800" i="1" kern="100">
+                        <a:effectLst/>
+                        <a:latin typeface="Cambria Math" panose="02040503050406030204" pitchFamily="18" charset="0"/>
+                        <a:ea typeface="DengXian" panose="02010600030101010101" pitchFamily="2" charset="-122"/>
+                        <a:cs typeface="Mangal" panose="02040503050203030202" pitchFamily="18" charset="0"/>
+                      </a:rPr>
+                      <m:t>,</m:t>
+                    </m:r>
+                    <m:r>
+                      <a:rPr lang="en-US" sz="1800" i="1" kern="100">
+                        <a:effectLst/>
+                        <a:latin typeface="Cambria Math" panose="02040503050406030204" pitchFamily="18" charset="0"/>
+                        <a:ea typeface="DengXian" panose="02010600030101010101" pitchFamily="2" charset="-122"/>
+                        <a:cs typeface="Mangal" panose="02040503050203030202" pitchFamily="18" charset="0"/>
+                      </a:rPr>
+                      <m:t>𝑛</m:t>
+                    </m:r>
+                    <m:r>
+                      <a:rPr lang="ru-RU" sz="1800" i="1" kern="100">
+                        <a:effectLst/>
+                        <a:latin typeface="Cambria Math" panose="02040503050406030204" pitchFamily="18" charset="0"/>
+                        <a:ea typeface="DengXian" panose="02010600030101010101" pitchFamily="2" charset="-122"/>
+                        <a:cs typeface="Mangal" panose="02040503050203030202" pitchFamily="18" charset="0"/>
+                      </a:rPr>
+                      <m:t>)</m:t>
+                    </m:r>
+                  </m:oMath>
+                </a14:m>
+                <a:r>
+                  <a:rPr lang="ru-RU" sz="1800" kern="100" dirty="0">
+                    <a:effectLst/>
+                    <a:latin typeface="Times New Roman" panose="02020603050405020304" pitchFamily="18" charset="0"/>
+                    <a:ea typeface="Calibri" panose="020F0502020204030204" pitchFamily="34" charset="0"/>
+                    <a:cs typeface="Mangal" panose="02040503050203030202" pitchFamily="18" charset="0"/>
+                  </a:rPr>
+                  <a:t> описывает временной ряд </a:t>
+                </a:r>
+                <a14:m>
+                  <m:oMath xmlns:m="http://schemas.openxmlformats.org/officeDocument/2006/math">
+                    <m:r>
+                      <a:rPr lang="en-US" sz="1800" i="1" kern="100">
+                        <a:effectLst/>
+                        <a:latin typeface="Cambria Math" panose="02040503050406030204" pitchFamily="18" charset="0"/>
+                        <a:ea typeface="Calibri" panose="020F0502020204030204" pitchFamily="34" charset="0"/>
+                        <a:cs typeface="Mangal" panose="02040503050203030202" pitchFamily="18" charset="0"/>
+                      </a:rPr>
+                      <m:t>𝑌</m:t>
+                    </m:r>
+                    <m:d>
+                      <m:dPr>
+                        <m:ctrlPr>
+                          <a:rPr lang="ru-RU" sz="1800" i="1" kern="100">
+                            <a:effectLst/>
+                            <a:latin typeface="Cambria Math" panose="02040503050406030204" pitchFamily="18" charset="0"/>
+                            <a:ea typeface="Calibri" panose="020F0502020204030204" pitchFamily="34" charset="0"/>
+                            <a:cs typeface="Mangal" panose="02040503050203030202" pitchFamily="18" charset="0"/>
+                          </a:rPr>
+                        </m:ctrlPr>
+                      </m:dPr>
+                      <m:e>
+                        <m:r>
+                          <a:rPr lang="en-US" sz="1800" i="1" kern="100">
+                            <a:effectLst/>
+                            <a:latin typeface="Cambria Math" panose="02040503050406030204" pitchFamily="18" charset="0"/>
+                            <a:ea typeface="Calibri" panose="020F0502020204030204" pitchFamily="34" charset="0"/>
+                            <a:cs typeface="Mangal" panose="02040503050203030202" pitchFamily="18" charset="0"/>
+                          </a:rPr>
+                          <m:t>𝑛</m:t>
+                        </m:r>
+                      </m:e>
+                    </m:d>
+                  </m:oMath>
+                </a14:m>
+                <a:r>
+                  <a:rPr lang="ru-RU" sz="1800" kern="100" dirty="0">
+                    <a:effectLst/>
+                    <a:latin typeface="Times New Roman" panose="02020603050405020304" pitchFamily="18" charset="0"/>
+                    <a:ea typeface="Calibri" panose="020F0502020204030204" pitchFamily="34" charset="0"/>
+                    <a:cs typeface="Mangal" panose="02040503050203030202" pitchFamily="18" charset="0"/>
+                  </a:rPr>
+                  <a:t>, как комбинацию его компонентов.</a:t>
+                </a:r>
+              </a:p>
+              <a:p>
+                <a:pPr marL="0" indent="0" algn="just">
+                  <a:lnSpc>
+                    <a:spcPct val="150000"/>
+                  </a:lnSpc>
+                  <a:buNone/>
+                </a:pPr>
                 <a14:m>
                   <m:oMathPara xmlns:m="http://schemas.openxmlformats.org/officeDocument/2006/math">
                     <m:oMathParaPr>
@@ -10253,7 +10651,7 @@
             </p:txBody>
           </p:sp>
         </mc:Choice>
-        <mc:Fallback xmlns="">
+        <mc:Fallback>
           <p:sp>
             <p:nvSpPr>
               <p:cNvPr id="3" name="Объект 2">
@@ -10274,7 +10672,7 @@
               <a:blipFill>
                 <a:blip r:embed="rId2"/>
                 <a:stretch>
-                  <a:fillRect l="-406" r="-348"/>
+                  <a:fillRect l="-232" r="-174"/>
                 </a:stretch>
               </a:blipFill>
             </p:spPr>
@@ -10464,7 +10862,7 @@
                     <a:ea typeface="Calibri" panose="020F0502020204030204" pitchFamily="34" charset="0"/>
                     <a:cs typeface="Arial" panose="020B0604020202020204" pitchFamily="34" charset="0"/>
                   </a:rPr>
-                  <a:t>Стоит задача спрогнозировать величину </a:t>
+                  <a:t>Спрогнозировать величину </a:t>
                 </a:r>
                 <a14:m>
                   <m:oMath xmlns:m="http://schemas.openxmlformats.org/officeDocument/2006/math">
